--- a/weekly_dashboard/dashboard-05-11.pptx
+++ b/weekly_dashboard/dashboard-05-11.pptx
@@ -4139,7 +4139,7 @@
               <a:rPr lang="en-US" sz="2400" dirty="0">
                 <a:latin typeface="+mj-lt"/>
               </a:rPr>
-              <a:t>Date: 05/04/2018</a:t>
+              <a:t>Date: 05/11/2018</a:t>
             </a:r>
           </a:p>
         </p:txBody>
@@ -4245,8 +4245,13 @@
             <a:pPr algn="ctr"/>
             <a:r>
               <a:rPr lang="en-US" sz="3200" dirty="0"/>
-              <a:t>Project: Analyzing VoIP at UC Davis  Date: 05/04/2018</a:t>
-            </a:r>
+              <a:t>Project: Analyzing VoIP at UC Davis  Date</a:t>
+            </a:r>
+            <a:r>
+              <a:rPr lang="en-US" sz="3200"/>
+              <a:t>: 05/11/2018</a:t>
+            </a:r>
+            <a:endParaRPr lang="en-US" sz="3200" dirty="0"/>
           </a:p>
         </p:txBody>
       </p:sp>
